--- a/DOE_Highlights/LCLS-II_April_23.pptx
+++ b/DOE_Highlights/LCLS-II_April_23.pptx
@@ -246,7 +246,7 @@
       <p15:sldGuideLst xmlns:p15="http://schemas.microsoft.com/office/powerpoint/2012/main"/>
     </p:ext>
     <p:ext uri="http://customooxmlschemas.google.com/">
-      <go:slidesCustomData xmlns="" xmlns:mc="http://schemas.openxmlformats.org/markup-compatibility/2006" xmlns:mv="urn:schemas-microsoft-com:mac:vml" xmlns:c="http://schemas.openxmlformats.org/drawingml/2006/chart" xmlns:dgm="http://schemas.openxmlformats.org/drawingml/2006/diagram" xmlns:o="urn:schemas-microsoft-com:office:office" xmlns:v="urn:schemas-microsoft-com:vml" xmlns:pvml="urn:schemas-microsoft-com:office:powerpoint" xmlns:com="http://schemas.openxmlformats.org/drawingml/2006/compatibility" xmlns:p14="http://schemas.microsoft.com/office/powerpoint/2010/main" xmlns:p15="http://schemas.microsoft.com/office/powerpoint/2012/main" xmlns:ahyp="http://schemas.microsoft.com/office/drawing/2018/hyperlinkcolor" xmlns:go="http://customooxmlschemas.google.com/" r:id="rId6" roundtripDataSignature="AMtx7mh3znCeAQAEETfQQshkbQMyZzziZA=="/>
+      <go:slidesCustomData xmlns:go="http://customooxmlschemas.google.com/" xmlns:ahyp="http://schemas.microsoft.com/office/drawing/2018/hyperlinkcolor" xmlns:p15="http://schemas.microsoft.com/office/powerpoint/2012/main" xmlns:p14="http://schemas.microsoft.com/office/powerpoint/2010/main" xmlns:com="http://schemas.openxmlformats.org/drawingml/2006/compatibility" xmlns:pvml="urn:schemas-microsoft-com:office:powerpoint" xmlns:v="urn:schemas-microsoft-com:vml" xmlns:o="urn:schemas-microsoft-com:office:office" xmlns:dgm="http://schemas.openxmlformats.org/drawingml/2006/diagram" xmlns:c="http://schemas.openxmlformats.org/drawingml/2006/chart" xmlns:mv="urn:schemas-microsoft-com:mac:vml" xmlns:mc="http://schemas.openxmlformats.org/markup-compatibility/2006" xmlns="" r:id="rId6" roundtripDataSignature="AMtx7mh3znCeAQAEETfQQshkbQMyZzziZA=="/>
     </p:ext>
   </p:extLst>
 </p:presentation>
@@ -255,6 +255,7 @@
 <file path=ppt/revisionInfo.xml><?xml version="1.0" encoding="utf-8"?>
 <p1510:revInfo xmlns:a="http://schemas.openxmlformats.org/drawingml/2006/main" xmlns:r="http://schemas.openxmlformats.org/officeDocument/2006/relationships" xmlns:p1510="http://schemas.microsoft.com/office/powerpoint/2015/10/main">
   <p1510:revLst>
+    <p1510:client id="{0C8D8692-EBAB-4CEC-A45F-51A6548A4904}" v="2" dt="2023-04-18T15:40:22.974"/>
     <p1510:client id="{775DAE95-9374-48EC-8DFF-8D7C9C0B21E0}" v="3184" dt="2023-04-17T19:44:00.155"/>
     <p1510:client id="{BA407313-6867-40B8-8BCC-E651579BFA02}" v="498" dt="2023-04-17T20:38:38.163"/>
     <p1510:client id="{D00824C8-BEAC-4B2B-84A3-D650C44473F5}" v="218" dt="2023-04-17T20:12:47.856"/>
@@ -562,6 +563,38 @@
     </pc:docChg>
   </pc:docChgLst>
   <pc:docChgLst>
+    <pc:chgData name="Larson, Jeffrey M." userId="NV0+C1oYf4eYC1TeY2O+0HulRDRdJXWIAZ37paRYW6Q=" providerId="None" clId="Web-{0C8D8692-EBAB-4CEC-A45F-51A6548A4904}"/>
+    <pc:docChg chg="modSld">
+      <pc:chgData name="Larson, Jeffrey M." userId="NV0+C1oYf4eYC1TeY2O+0HulRDRdJXWIAZ37paRYW6Q=" providerId="None" clId="Web-{0C8D8692-EBAB-4CEC-A45F-51A6548A4904}" dt="2023-04-18T15:40:33.240" v="3"/>
+      <pc:docMkLst>
+        <pc:docMk/>
+      </pc:docMkLst>
+      <pc:sldChg chg="delSp modSp modNotes">
+        <pc:chgData name="Larson, Jeffrey M." userId="NV0+C1oYf4eYC1TeY2O+0HulRDRdJXWIAZ37paRYW6Q=" providerId="None" clId="Web-{0C8D8692-EBAB-4CEC-A45F-51A6548A4904}" dt="2023-04-18T15:40:33.240" v="3"/>
+        <pc:sldMkLst>
+          <pc:docMk/>
+          <pc:sldMk cId="0" sldId="256"/>
+        </pc:sldMkLst>
+        <pc:spChg chg="del">
+          <ac:chgData name="Larson, Jeffrey M." userId="NV0+C1oYf4eYC1TeY2O+0HulRDRdJXWIAZ37paRYW6Q=" providerId="None" clId="Web-{0C8D8692-EBAB-4CEC-A45F-51A6548A4904}" dt="2023-04-18T15:40:22.974" v="1"/>
+          <ac:spMkLst>
+            <pc:docMk/>
+            <pc:sldMk cId="0" sldId="256"/>
+            <ac:spMk id="31" creationId="{00000000-0000-0000-0000-000000000000}"/>
+          </ac:spMkLst>
+        </pc:spChg>
+        <pc:picChg chg="mod">
+          <ac:chgData name="Larson, Jeffrey M." userId="NV0+C1oYf4eYC1TeY2O+0HulRDRdJXWIAZ37paRYW6Q=" providerId="None" clId="Web-{0C8D8692-EBAB-4CEC-A45F-51A6548A4904}" dt="2023-04-18T15:40:20.255" v="0" actId="1076"/>
+          <ac:picMkLst>
+            <pc:docMk/>
+            <pc:sldMk cId="0" sldId="256"/>
+            <ac:picMk id="3" creationId="{E65C2BC8-8F52-5FE3-1047-FD40184D512A}"/>
+          </ac:picMkLst>
+        </pc:picChg>
+      </pc:sldChg>
+    </pc:docChg>
+  </pc:docChgLst>
+  <pc:docChgLst>
     <pc:chgData name="Chang, Tyler" userId="0Cb/AWEZvg3VXVYTvi9X3DSkF+tsHa07RGEpCEoHh0g=" providerId="None" clId="Web-{FFDF68F6-A2B3-4CAA-B926-07ECDAC61BBC}"/>
     <pc:docChg chg="modSld">
       <pc:chgData name="Chang, Tyler" userId="0Cb/AWEZvg3VXVYTvi9X3DSkF+tsHa07RGEpCEoHh0g=" providerId="None" clId="Web-{FFDF68F6-A2B3-4CAA-B926-07ECDAC61BBC}" dt="2023-04-17T21:12:45.181" v="664"/>
@@ -2217,119 +2250,6 @@
             </a:pPr>
             <a:endParaRPr lang="en-US" dirty="0"/>
           </a:p>
-          <a:p>
-            <a:pPr marL="0" indent="0">
-              <a:buClr>
-                <a:schemeClr val="dk1"/>
-              </a:buClr>
-              <a:buSzPts val="1200"/>
-            </a:pPr>
-            <a:r>
-              <a:rPr lang="en-US" u="sng" dirty="0"/>
-              <a:t>REPRODUCIBILITY:</a:t>
-            </a:r>
-            <a:r>
-              <a:rPr lang="en-US" dirty="0"/>
-              <a:t>  </a:t>
-            </a:r>
-            <a:endParaRPr dirty="0"/>
-          </a:p>
-          <a:p>
-            <a:pPr marL="0" lvl="0" indent="0" algn="l" rtl="0">
-              <a:spcBef>
-                <a:spcPts val="0"/>
-              </a:spcBef>
-              <a:spcAft>
-                <a:spcPts val="0"/>
-              </a:spcAft>
-              <a:buClr>
-                <a:schemeClr val="dk1"/>
-              </a:buClr>
-              <a:buSzPts val="1200"/>
-              <a:buFont typeface="Arial"/>
-              <a:buNone/>
-            </a:pPr>
-            <a:r>
-              <a:rPr lang="en-US" dirty="0"/>
-              <a:t>If this work has received any badges or recognitions for reproducibility, please note them here.  (Alternatively, can associated these with specific publications listed above)</a:t>
-            </a:r>
-            <a:endParaRPr dirty="0"/>
-          </a:p>
-          <a:p>
-            <a:pPr marL="0" lvl="0" indent="0" algn="l" rtl="0">
-              <a:spcBef>
-                <a:spcPts val="0"/>
-              </a:spcBef>
-              <a:spcAft>
-                <a:spcPts val="0"/>
-              </a:spcAft>
-              <a:buClr>
-                <a:schemeClr val="dk1"/>
-              </a:buClr>
-              <a:buSzPts val="1200"/>
-              <a:buFont typeface="Arial"/>
-              <a:buNone/>
-            </a:pPr>
-            <a:endParaRPr dirty="0"/>
-          </a:p>
-          <a:p>
-            <a:pPr marL="0" lvl="0" indent="0" algn="l" rtl="0">
-              <a:spcBef>
-                <a:spcPts val="0"/>
-              </a:spcBef>
-              <a:spcAft>
-                <a:spcPts val="0"/>
-              </a:spcAft>
-              <a:buClr>
-                <a:schemeClr val="dk1"/>
-              </a:buClr>
-              <a:buSzPts val="1200"/>
-              <a:buFont typeface="Arial"/>
-              <a:buNone/>
-            </a:pPr>
-            <a:r>
-              <a:rPr lang="en-US" u="sng" dirty="0"/>
-              <a:t>BACKGROUND AND CONTEXT INFORMATION:</a:t>
-            </a:r>
-            <a:r>
-              <a:rPr lang="en-US" dirty="0"/>
-              <a:t>  </a:t>
-            </a:r>
-            <a:endParaRPr dirty="0"/>
-          </a:p>
-          <a:p>
-            <a:pPr marL="0" lvl="0" indent="0" algn="l" rtl="0">
-              <a:spcBef>
-                <a:spcPts val="0"/>
-              </a:spcBef>
-              <a:spcAft>
-                <a:spcPts val="0"/>
-              </a:spcAft>
-              <a:buClr>
-                <a:schemeClr val="dk1"/>
-              </a:buClr>
-              <a:buSzPts val="1200"/>
-              <a:buFont typeface="Arial"/>
-              <a:buNone/>
-            </a:pPr>
-            <a:r>
-              <a:rPr lang="en-US" dirty="0"/>
-              <a:t>You may include further background or other information that would be helpful in understanding and delivering the full impact of this research.</a:t>
-            </a:r>
-            <a:endParaRPr dirty="0"/>
-          </a:p>
-          <a:p>
-            <a:pPr marL="0" lvl="0" indent="0" algn="l" rtl="0">
-              <a:spcBef>
-                <a:spcPts val="0"/>
-              </a:spcBef>
-              <a:spcAft>
-                <a:spcPts val="0"/>
-              </a:spcAft>
-              <a:buNone/>
-            </a:pPr>
-            <a:endParaRPr dirty="0"/>
-          </a:p>
         </p:txBody>
       </p:sp>
       <p:sp>
@@ -4633,56 +4553,6 @@
               </a:rPr>
               <a:t>We show optimization algorithms performance on restrictive compute budgets</a:t>
             </a:r>
-          </a:p>
-        </p:txBody>
-      </p:sp>
-      <p:sp>
-        <p:nvSpPr>
-          <p:cNvPr id="31" name="Google Shape;31;p1"/>
-          <p:cNvSpPr txBox="1"/>
-          <p:nvPr/>
-        </p:nvSpPr>
-        <p:spPr>
-          <a:xfrm>
-            <a:off x="8916069" y="6270016"/>
-            <a:ext cx="1062321" cy="523220"/>
-          </a:xfrm>
-          <a:prstGeom prst="rect">
-            <a:avLst/>
-          </a:prstGeom>
-          <a:noFill/>
-          <a:ln>
-            <a:noFill/>
-          </a:ln>
-        </p:spPr>
-        <p:txBody>
-          <a:bodyPr spcFirstLastPara="1" wrap="square" lIns="91425" tIns="45700" rIns="91425" bIns="45700" anchor="t" anchorCtr="0">
-            <a:spAutoFit/>
-          </a:bodyPr>
-          <a:lstStyle/>
-          <a:p>
-            <a:pPr marL="0" marR="0" lvl="0" indent="0" algn="l" rtl="0">
-              <a:spcBef>
-                <a:spcPts val="0"/>
-              </a:spcBef>
-              <a:spcAft>
-                <a:spcPts val="0"/>
-              </a:spcAft>
-              <a:buNone/>
-            </a:pPr>
-            <a:r>
-              <a:rPr lang="en-US" sz="1400" dirty="0">
-                <a:solidFill>
-                  <a:schemeClr val="dk1"/>
-                </a:solidFill>
-                <a:latin typeface="Calibri"/>
-                <a:ea typeface="Calibri"/>
-                <a:cs typeface="Calibri"/>
-                <a:sym typeface="Calibri"/>
-              </a:rPr>
-              <a:t>Institution Logo #1</a:t>
-            </a:r>
-            <a:endParaRPr dirty="0"/>
           </a:p>
         </p:txBody>
       </p:sp>
@@ -5027,7 +4897,7 @@
         </p:blipFill>
         <p:spPr>
           <a:xfrm>
-            <a:off x="8498541" y="6279065"/>
+            <a:off x="10691088" y="6300631"/>
             <a:ext cx="1335741" cy="521375"/>
           </a:xfrm>
           <a:prstGeom prst="rect">
